--- a/Anthropogenic_CO2.pptx
+++ b/Anthropogenic_CO2.pptx
@@ -14,6 +14,8 @@
     <p:sldId id="262" r:id="rId8"/>
     <p:sldId id="263" r:id="rId9"/>
     <p:sldId id="264" r:id="rId10"/>
+    <p:sldId id="265" r:id="rId11"/>
+    <p:sldId id="266" r:id="rId12"/>
   </p:sldIdLst>
   <p:sldSz cx="12192000" cy="6858000"/>
   <p:notesSz cx="6858000" cy="9144000"/>
@@ -260,7 +262,7 @@
           <a:p>
             <a:fld id="{846CE7D5-CF57-46EF-B807-FDD0502418D4}" type="datetimeFigureOut">
               <a:rPr lang="en-US" smtClean="0"/>
-              <a:t>5/24/2024</a:t>
+              <a:t>5/28/2024</a:t>
             </a:fld>
             <a:endParaRPr lang="en-US"/>
           </a:p>
@@ -430,7 +432,7 @@
           <a:p>
             <a:fld id="{846CE7D5-CF57-46EF-B807-FDD0502418D4}" type="datetimeFigureOut">
               <a:rPr lang="en-US" smtClean="0"/>
-              <a:t>5/24/2024</a:t>
+              <a:t>5/28/2024</a:t>
             </a:fld>
             <a:endParaRPr lang="en-US"/>
           </a:p>
@@ -610,7 +612,7 @@
           <a:p>
             <a:fld id="{846CE7D5-CF57-46EF-B807-FDD0502418D4}" type="datetimeFigureOut">
               <a:rPr lang="en-US" smtClean="0"/>
-              <a:t>5/24/2024</a:t>
+              <a:t>5/28/2024</a:t>
             </a:fld>
             <a:endParaRPr lang="en-US"/>
           </a:p>
@@ -780,7 +782,7 @@
           <a:p>
             <a:fld id="{846CE7D5-CF57-46EF-B807-FDD0502418D4}" type="datetimeFigureOut">
               <a:rPr lang="en-US" smtClean="0"/>
-              <a:t>5/24/2024</a:t>
+              <a:t>5/28/2024</a:t>
             </a:fld>
             <a:endParaRPr lang="en-US"/>
           </a:p>
@@ -1026,7 +1028,7 @@
           <a:p>
             <a:fld id="{846CE7D5-CF57-46EF-B807-FDD0502418D4}" type="datetimeFigureOut">
               <a:rPr lang="en-US" smtClean="0"/>
-              <a:t>5/24/2024</a:t>
+              <a:t>5/28/2024</a:t>
             </a:fld>
             <a:endParaRPr lang="en-US"/>
           </a:p>
@@ -1258,7 +1260,7 @@
           <a:p>
             <a:fld id="{846CE7D5-CF57-46EF-B807-FDD0502418D4}" type="datetimeFigureOut">
               <a:rPr lang="en-US" smtClean="0"/>
-              <a:t>5/24/2024</a:t>
+              <a:t>5/28/2024</a:t>
             </a:fld>
             <a:endParaRPr lang="en-US"/>
           </a:p>
@@ -1625,7 +1627,7 @@
           <a:p>
             <a:fld id="{846CE7D5-CF57-46EF-B807-FDD0502418D4}" type="datetimeFigureOut">
               <a:rPr lang="en-US" smtClean="0"/>
-              <a:t>5/24/2024</a:t>
+              <a:t>5/28/2024</a:t>
             </a:fld>
             <a:endParaRPr lang="en-US"/>
           </a:p>
@@ -1743,7 +1745,7 @@
           <a:p>
             <a:fld id="{846CE7D5-CF57-46EF-B807-FDD0502418D4}" type="datetimeFigureOut">
               <a:rPr lang="en-US" smtClean="0"/>
-              <a:t>5/24/2024</a:t>
+              <a:t>5/28/2024</a:t>
             </a:fld>
             <a:endParaRPr lang="en-US"/>
           </a:p>
@@ -1838,7 +1840,7 @@
           <a:p>
             <a:fld id="{846CE7D5-CF57-46EF-B807-FDD0502418D4}" type="datetimeFigureOut">
               <a:rPr lang="en-US" smtClean="0"/>
-              <a:t>5/24/2024</a:t>
+              <a:t>5/28/2024</a:t>
             </a:fld>
             <a:endParaRPr lang="en-US"/>
           </a:p>
@@ -2115,7 +2117,7 @@
           <a:p>
             <a:fld id="{846CE7D5-CF57-46EF-B807-FDD0502418D4}" type="datetimeFigureOut">
               <a:rPr lang="en-US" smtClean="0"/>
-              <a:t>5/24/2024</a:t>
+              <a:t>5/28/2024</a:t>
             </a:fld>
             <a:endParaRPr lang="en-US"/>
           </a:p>
@@ -2372,7 +2374,7 @@
           <a:p>
             <a:fld id="{846CE7D5-CF57-46EF-B807-FDD0502418D4}" type="datetimeFigureOut">
               <a:rPr lang="en-US" smtClean="0"/>
-              <a:t>5/24/2024</a:t>
+              <a:t>5/28/2024</a:t>
             </a:fld>
             <a:endParaRPr lang="en-US"/>
           </a:p>
@@ -2585,7 +2587,7 @@
           <a:p>
             <a:fld id="{846CE7D5-CF57-46EF-B807-FDD0502418D4}" type="datetimeFigureOut">
               <a:rPr lang="en-US" smtClean="0"/>
-              <a:t>5/24/2024</a:t>
+              <a:t>5/28/2024</a:t>
             </a:fld>
             <a:endParaRPr lang="en-US"/>
           </a:p>
@@ -3044,6 +3046,377 @@
 </p:sld>
 </file>
 
+<file path=ppt/slides/slide10.xml><?xml version="1.0" encoding="utf-8"?>
+<p:sld xmlns:a="http://schemas.openxmlformats.org/drawingml/2006/main" xmlns:r="http://schemas.openxmlformats.org/officeDocument/2006/relationships" xmlns:p="http://schemas.openxmlformats.org/presentationml/2006/main">
+  <p:cSld>
+    <p:spTree>
+      <p:nvGrpSpPr>
+        <p:cNvPr id="1" name=""/>
+        <p:cNvGrpSpPr/>
+        <p:nvPr/>
+      </p:nvGrpSpPr>
+      <p:grpSpPr>
+        <a:xfrm>
+          <a:off x="0" y="0"/>
+          <a:ext cx="0" cy="0"/>
+          <a:chOff x="0" y="0"/>
+          <a:chExt cx="0" cy="0"/>
+        </a:xfrm>
+      </p:grpSpPr>
+      <p:sp>
+        <p:nvSpPr>
+          <p:cNvPr id="2" name="Title 1">
+            <a:extLst>
+              <a:ext uri="{FF2B5EF4-FFF2-40B4-BE49-F238E27FC236}">
+                <a16:creationId xmlns:a16="http://schemas.microsoft.com/office/drawing/2014/main" id="{4B9A5112-35B7-7DF6-F977-5D5F99C4FD6E}"/>
+              </a:ext>
+            </a:extLst>
+          </p:cNvPr>
+          <p:cNvSpPr>
+            <a:spLocks noGrp="1"/>
+          </p:cNvSpPr>
+          <p:nvPr>
+            <p:ph type="title"/>
+          </p:nvPr>
+        </p:nvSpPr>
+        <p:spPr/>
+        <p:txBody>
+          <a:bodyPr/>
+          <a:lstStyle/>
+          <a:p>
+            <a:r>
+              <a:rPr lang="en-GB" dirty="0"/>
+              <a:t>A Description of the Code</a:t>
+            </a:r>
+          </a:p>
+        </p:txBody>
+      </p:sp>
+      <p:sp>
+        <p:nvSpPr>
+          <p:cNvPr id="3" name="Content Placeholder 2">
+            <a:extLst>
+              <a:ext uri="{FF2B5EF4-FFF2-40B4-BE49-F238E27FC236}">
+                <a16:creationId xmlns:a16="http://schemas.microsoft.com/office/drawing/2014/main" id="{499D0A79-E5B4-A238-45C2-76F74F9F9A15}"/>
+              </a:ext>
+            </a:extLst>
+          </p:cNvPr>
+          <p:cNvSpPr>
+            <a:spLocks noGrp="1"/>
+          </p:cNvSpPr>
+          <p:nvPr>
+            <p:ph idx="1"/>
+          </p:nvPr>
+        </p:nvSpPr>
+        <p:spPr/>
+        <p:txBody>
+          <a:bodyPr>
+            <a:normAutofit fontScale="70000" lnSpcReduction="20000"/>
+          </a:bodyPr>
+          <a:lstStyle/>
+          <a:p>
+            <a:r>
+              <a:rPr lang="en-GB" dirty="0"/>
+              <a:t>This program looks at the world’s worst ten carbon producers.  You can specify which of these countries you’d like a look at:</a:t>
+            </a:r>
+          </a:p>
+          <a:p>
+            <a:r>
+              <a:rPr lang="en-GB" dirty="0" err="1"/>
+              <a:t>country_of_interest</a:t>
+            </a:r>
+            <a:r>
+              <a:rPr lang="en-GB" dirty="0"/>
+              <a:t> = input (‘Which country are you interested in?’)</a:t>
+            </a:r>
+          </a:p>
+          <a:p>
+            <a:r>
+              <a:rPr lang="en-GB" dirty="0"/>
+              <a:t>Earlier, the </a:t>
+            </a:r>
+            <a:r>
+              <a:rPr lang="en-GB" dirty="0" err="1"/>
+              <a:t>dataframe</a:t>
+            </a:r>
+            <a:r>
+              <a:rPr lang="en-GB" dirty="0"/>
+              <a:t> is cleaned:</a:t>
+            </a:r>
+          </a:p>
+          <a:p>
+            <a:r>
+              <a:rPr lang="en-GB" dirty="0" err="1"/>
+              <a:t>df.dropna</a:t>
+            </a:r>
+            <a:r>
+              <a:rPr lang="en-GB" dirty="0"/>
+              <a:t> (axis = 0, how = ‘any’, subset = ‘Country’, </a:t>
+            </a:r>
+            <a:r>
+              <a:rPr lang="en-GB" dirty="0" err="1"/>
+              <a:t>inplace</a:t>
+            </a:r>
+            <a:r>
+              <a:rPr lang="en-GB" dirty="0"/>
+              <a:t> = True)</a:t>
+            </a:r>
+          </a:p>
+          <a:p>
+            <a:r>
+              <a:rPr lang="en-GB" dirty="0" err="1"/>
+              <a:t>df</a:t>
+            </a:r>
+            <a:r>
+              <a:rPr lang="en-GB" dirty="0"/>
+              <a:t> [‘Country’] = </a:t>
+            </a:r>
+            <a:r>
+              <a:rPr lang="en-GB" dirty="0" err="1"/>
+              <a:t>df</a:t>
+            </a:r>
+            <a:r>
+              <a:rPr lang="en-GB" dirty="0"/>
+              <a:t> [‘Country’].</a:t>
+            </a:r>
+            <a:r>
+              <a:rPr lang="en-GB" dirty="0" err="1"/>
+              <a:t>str.replace</a:t>
+            </a:r>
+            <a:r>
+              <a:rPr lang="en-GB" dirty="0"/>
+              <a:t> (r’\W’, ‘’, regex = True)</a:t>
+            </a:r>
+          </a:p>
+          <a:p>
+            <a:r>
+              <a:rPr lang="en-GB" dirty="0"/>
+              <a:t>and a bar chart of the top ten coal burners in 2021 produced using Seaborn and </a:t>
+            </a:r>
+            <a:r>
+              <a:rPr lang="en-GB" dirty="0" err="1"/>
+              <a:t>MatPlotLib</a:t>
+            </a:r>
+            <a:r>
+              <a:rPr lang="en-GB" dirty="0"/>
+              <a:t>:</a:t>
+            </a:r>
+          </a:p>
+          <a:p>
+            <a:r>
+              <a:rPr lang="en-GB" dirty="0"/>
+              <a:t>df1 = </a:t>
+            </a:r>
+            <a:r>
+              <a:rPr lang="en-GB" dirty="0" err="1"/>
+              <a:t>pd.DataFrame</a:t>
+            </a:r>
+            <a:r>
+              <a:rPr lang="en-GB" dirty="0"/>
+              <a:t> ({‘Country’: </a:t>
+            </a:r>
+            <a:r>
+              <a:rPr lang="en-GB" dirty="0" err="1"/>
+              <a:t>top_ten</a:t>
+            </a:r>
+            <a:r>
+              <a:rPr lang="en-GB" dirty="0"/>
+              <a:t>, ‘Emissions from Coal Burning (MtCO2)’: </a:t>
+            </a:r>
+            <a:r>
+              <a:rPr lang="en-GB" dirty="0" err="1"/>
+              <a:t>top_ten_Coal</a:t>
+            </a:r>
+            <a:r>
+              <a:rPr lang="en-GB" dirty="0"/>
+              <a:t>})</a:t>
+            </a:r>
+          </a:p>
+          <a:p>
+            <a:r>
+              <a:rPr lang="en-GB" dirty="0" err="1"/>
+              <a:t>sns.barplot</a:t>
+            </a:r>
+            <a:r>
+              <a:rPr lang="en-GB" dirty="0"/>
+              <a:t> (x = ‘Country’, y = ‘Emissions from Coal Burning (MtCO2’, data = df1).set (title = ‘Top Ten Coal Burners in 2021’)</a:t>
+            </a:r>
+          </a:p>
+          <a:p>
+            <a:r>
+              <a:rPr lang="en-GB" dirty="0" err="1"/>
+              <a:t>plt.xticks</a:t>
+            </a:r>
+            <a:r>
+              <a:rPr lang="en-GB" dirty="0"/>
+              <a:t> (rotation = 45)</a:t>
+            </a:r>
+          </a:p>
+          <a:p>
+            <a:r>
+              <a:rPr lang="en-GB" dirty="0" err="1"/>
+              <a:t>plt.show</a:t>
+            </a:r>
+            <a:r>
+              <a:rPr lang="en-GB" dirty="0"/>
+              <a:t> ()</a:t>
+            </a:r>
+          </a:p>
+        </p:txBody>
+      </p:sp>
+    </p:spTree>
+    <p:extLst>
+      <p:ext uri="{BB962C8B-B14F-4D97-AF65-F5344CB8AC3E}">
+        <p14:creationId xmlns:p14="http://schemas.microsoft.com/office/powerpoint/2010/main" val="3577190490"/>
+      </p:ext>
+    </p:extLst>
+  </p:cSld>
+  <p:clrMapOvr>
+    <a:masterClrMapping/>
+  </p:clrMapOvr>
+</p:sld>
+</file>
+
+<file path=ppt/slides/slide11.xml><?xml version="1.0" encoding="utf-8"?>
+<p:sld xmlns:a="http://schemas.openxmlformats.org/drawingml/2006/main" xmlns:r="http://schemas.openxmlformats.org/officeDocument/2006/relationships" xmlns:p="http://schemas.openxmlformats.org/presentationml/2006/main">
+  <p:cSld>
+    <p:spTree>
+      <p:nvGrpSpPr>
+        <p:cNvPr id="1" name=""/>
+        <p:cNvGrpSpPr/>
+        <p:nvPr/>
+      </p:nvGrpSpPr>
+      <p:grpSpPr>
+        <a:xfrm>
+          <a:off x="0" y="0"/>
+          <a:ext cx="0" cy="0"/>
+          <a:chOff x="0" y="0"/>
+          <a:chExt cx="0" cy="0"/>
+        </a:xfrm>
+      </p:grpSpPr>
+      <p:sp>
+        <p:nvSpPr>
+          <p:cNvPr id="2" name="Title 1">
+            <a:extLst>
+              <a:ext uri="{FF2B5EF4-FFF2-40B4-BE49-F238E27FC236}">
+                <a16:creationId xmlns:a16="http://schemas.microsoft.com/office/drawing/2014/main" id="{637A1897-9702-B849-C739-FFFD58A47A03}"/>
+              </a:ext>
+            </a:extLst>
+          </p:cNvPr>
+          <p:cNvSpPr>
+            <a:spLocks noGrp="1"/>
+          </p:cNvSpPr>
+          <p:nvPr>
+            <p:ph type="title"/>
+          </p:nvPr>
+        </p:nvSpPr>
+        <p:spPr/>
+        <p:txBody>
+          <a:bodyPr/>
+          <a:lstStyle/>
+          <a:p>
+            <a:endParaRPr lang="en-GB" dirty="0"/>
+          </a:p>
+        </p:txBody>
+      </p:sp>
+      <p:sp>
+        <p:nvSpPr>
+          <p:cNvPr id="3" name="Content Placeholder 2">
+            <a:extLst>
+              <a:ext uri="{FF2B5EF4-FFF2-40B4-BE49-F238E27FC236}">
+                <a16:creationId xmlns:a16="http://schemas.microsoft.com/office/drawing/2014/main" id="{AC0F54DD-A009-9310-33B8-C2BEA5C27F56}"/>
+              </a:ext>
+            </a:extLst>
+          </p:cNvPr>
+          <p:cNvSpPr>
+            <a:spLocks noGrp="1"/>
+          </p:cNvSpPr>
+          <p:nvPr>
+            <p:ph idx="1"/>
+          </p:nvPr>
+        </p:nvSpPr>
+        <p:spPr/>
+        <p:txBody>
+          <a:bodyPr/>
+          <a:lstStyle/>
+          <a:p>
+            <a:r>
+              <a:rPr lang="en-GB" dirty="0"/>
+              <a:t>Once you’ve input which country you’re interested in, a line plot of emissions from burning coal in 2021 for that country is produced:</a:t>
+            </a:r>
+          </a:p>
+          <a:p>
+            <a:r>
+              <a:rPr lang="en-GB" dirty="0"/>
+              <a:t>df1 = </a:t>
+            </a:r>
+            <a:r>
+              <a:rPr lang="en-GB" dirty="0" err="1"/>
+              <a:t>pd.DataFrame</a:t>
+            </a:r>
+            <a:r>
+              <a:rPr lang="en-GB" dirty="0"/>
+              <a:t> ({‘Year’: </a:t>
+            </a:r>
+            <a:r>
+              <a:rPr lang="en-GB" dirty="0" err="1"/>
+              <a:t>Country_Year</a:t>
+            </a:r>
+            <a:r>
+              <a:rPr lang="en-GB" dirty="0"/>
+              <a:t>, ‘Emission from Burning Coal (MtCO2)’: </a:t>
+            </a:r>
+            <a:r>
+              <a:rPr lang="en-GB" dirty="0" err="1"/>
+              <a:t>Country_Coal</a:t>
+            </a:r>
+            <a:r>
+              <a:rPr lang="en-GB" dirty="0"/>
+              <a:t>})</a:t>
+            </a:r>
+          </a:p>
+          <a:p>
+            <a:r>
+              <a:rPr lang="en-GB" dirty="0" err="1"/>
+              <a:t>sns.lineplot</a:t>
+            </a:r>
+            <a:r>
+              <a:rPr lang="en-GB" dirty="0"/>
+              <a:t> (x = ‘Year’, y = ‘Emission from Burning Coal (MtCO2)’, data = df1).set (title = </a:t>
+            </a:r>
+            <a:r>
+              <a:rPr lang="en-GB" dirty="0" err="1"/>
+              <a:t>country_of_interest</a:t>
+            </a:r>
+            <a:r>
+              <a:rPr lang="en-GB" dirty="0"/>
+              <a:t>)</a:t>
+            </a:r>
+          </a:p>
+          <a:p>
+            <a:r>
+              <a:rPr lang="en-GB" dirty="0" err="1"/>
+              <a:t>plt.show</a:t>
+            </a:r>
+            <a:r>
+              <a:rPr lang="en-GB" dirty="0"/>
+              <a:t> ().</a:t>
+            </a:r>
+          </a:p>
+        </p:txBody>
+      </p:sp>
+    </p:spTree>
+    <p:extLst>
+      <p:ext uri="{BB962C8B-B14F-4D97-AF65-F5344CB8AC3E}">
+        <p14:creationId xmlns:p14="http://schemas.microsoft.com/office/powerpoint/2010/main" val="50207207"/>
+      </p:ext>
+    </p:extLst>
+  </p:cSld>
+  <p:clrMapOvr>
+    <a:masterClrMapping/>
+  </p:clrMapOvr>
+</p:sld>
+</file>
+
 <file path=ppt/slides/slide2.xml><?xml version="1.0" encoding="utf-8"?>
 <p:sld xmlns:a="http://schemas.openxmlformats.org/drawingml/2006/main" xmlns:r="http://schemas.openxmlformats.org/officeDocument/2006/relationships" xmlns:p="http://schemas.openxmlformats.org/presentationml/2006/main">
   <p:cSld>

--- a/Anthropogenic_CO2.pptx
+++ b/Anthropogenic_CO2.pptx
@@ -16,6 +16,7 @@
     <p:sldId id="264" r:id="rId10"/>
     <p:sldId id="265" r:id="rId11"/>
     <p:sldId id="266" r:id="rId12"/>
+    <p:sldId id="267" r:id="rId13"/>
   </p:sldIdLst>
   <p:sldSz cx="12192000" cy="6858000"/>
   <p:notesSz cx="6858000" cy="9144000"/>
@@ -262,7 +263,7 @@
           <a:p>
             <a:fld id="{846CE7D5-CF57-46EF-B807-FDD0502418D4}" type="datetimeFigureOut">
               <a:rPr lang="en-US" smtClean="0"/>
-              <a:t>5/28/2024</a:t>
+              <a:t>5/30/2024</a:t>
             </a:fld>
             <a:endParaRPr lang="en-US"/>
           </a:p>
@@ -432,7 +433,7 @@
           <a:p>
             <a:fld id="{846CE7D5-CF57-46EF-B807-FDD0502418D4}" type="datetimeFigureOut">
               <a:rPr lang="en-US" smtClean="0"/>
-              <a:t>5/28/2024</a:t>
+              <a:t>5/30/2024</a:t>
             </a:fld>
             <a:endParaRPr lang="en-US"/>
           </a:p>
@@ -612,7 +613,7 @@
           <a:p>
             <a:fld id="{846CE7D5-CF57-46EF-B807-FDD0502418D4}" type="datetimeFigureOut">
               <a:rPr lang="en-US" smtClean="0"/>
-              <a:t>5/28/2024</a:t>
+              <a:t>5/30/2024</a:t>
             </a:fld>
             <a:endParaRPr lang="en-US"/>
           </a:p>
@@ -782,7 +783,7 @@
           <a:p>
             <a:fld id="{846CE7D5-CF57-46EF-B807-FDD0502418D4}" type="datetimeFigureOut">
               <a:rPr lang="en-US" smtClean="0"/>
-              <a:t>5/28/2024</a:t>
+              <a:t>5/30/2024</a:t>
             </a:fld>
             <a:endParaRPr lang="en-US"/>
           </a:p>
@@ -1028,7 +1029,7 @@
           <a:p>
             <a:fld id="{846CE7D5-CF57-46EF-B807-FDD0502418D4}" type="datetimeFigureOut">
               <a:rPr lang="en-US" smtClean="0"/>
-              <a:t>5/28/2024</a:t>
+              <a:t>5/30/2024</a:t>
             </a:fld>
             <a:endParaRPr lang="en-US"/>
           </a:p>
@@ -1260,7 +1261,7 @@
           <a:p>
             <a:fld id="{846CE7D5-CF57-46EF-B807-FDD0502418D4}" type="datetimeFigureOut">
               <a:rPr lang="en-US" smtClean="0"/>
-              <a:t>5/28/2024</a:t>
+              <a:t>5/30/2024</a:t>
             </a:fld>
             <a:endParaRPr lang="en-US"/>
           </a:p>
@@ -1627,7 +1628,7 @@
           <a:p>
             <a:fld id="{846CE7D5-CF57-46EF-B807-FDD0502418D4}" type="datetimeFigureOut">
               <a:rPr lang="en-US" smtClean="0"/>
-              <a:t>5/28/2024</a:t>
+              <a:t>5/30/2024</a:t>
             </a:fld>
             <a:endParaRPr lang="en-US"/>
           </a:p>
@@ -1745,7 +1746,7 @@
           <a:p>
             <a:fld id="{846CE7D5-CF57-46EF-B807-FDD0502418D4}" type="datetimeFigureOut">
               <a:rPr lang="en-US" smtClean="0"/>
-              <a:t>5/28/2024</a:t>
+              <a:t>5/30/2024</a:t>
             </a:fld>
             <a:endParaRPr lang="en-US"/>
           </a:p>
@@ -1840,7 +1841,7 @@
           <a:p>
             <a:fld id="{846CE7D5-CF57-46EF-B807-FDD0502418D4}" type="datetimeFigureOut">
               <a:rPr lang="en-US" smtClean="0"/>
-              <a:t>5/28/2024</a:t>
+              <a:t>5/30/2024</a:t>
             </a:fld>
             <a:endParaRPr lang="en-US"/>
           </a:p>
@@ -2117,7 +2118,7 @@
           <a:p>
             <a:fld id="{846CE7D5-CF57-46EF-B807-FDD0502418D4}" type="datetimeFigureOut">
               <a:rPr lang="en-US" smtClean="0"/>
-              <a:t>5/28/2024</a:t>
+              <a:t>5/30/2024</a:t>
             </a:fld>
             <a:endParaRPr lang="en-US"/>
           </a:p>
@@ -2374,7 +2375,7 @@
           <a:p>
             <a:fld id="{846CE7D5-CF57-46EF-B807-FDD0502418D4}" type="datetimeFigureOut">
               <a:rPr lang="en-US" smtClean="0"/>
-              <a:t>5/28/2024</a:t>
+              <a:t>5/30/2024</a:t>
             </a:fld>
             <a:endParaRPr lang="en-US"/>
           </a:p>
@@ -2587,7 +2588,7 @@
           <a:p>
             <a:fld id="{846CE7D5-CF57-46EF-B807-FDD0502418D4}" type="datetimeFigureOut">
               <a:rPr lang="en-US" smtClean="0"/>
-              <a:t>5/28/2024</a:t>
+              <a:t>5/30/2024</a:t>
             </a:fld>
             <a:endParaRPr lang="en-US"/>
           </a:p>
@@ -3417,6 +3418,100 @@
 </p:sld>
 </file>
 
+<file path=ppt/slides/slide12.xml><?xml version="1.0" encoding="utf-8"?>
+<p:sld xmlns:a="http://schemas.openxmlformats.org/drawingml/2006/main" xmlns:r="http://schemas.openxmlformats.org/officeDocument/2006/relationships" xmlns:p="http://schemas.openxmlformats.org/presentationml/2006/main">
+  <p:cSld>
+    <p:spTree>
+      <p:nvGrpSpPr>
+        <p:cNvPr id="1" name=""/>
+        <p:cNvGrpSpPr/>
+        <p:nvPr/>
+      </p:nvGrpSpPr>
+      <p:grpSpPr>
+        <a:xfrm>
+          <a:off x="0" y="0"/>
+          <a:ext cx="0" cy="0"/>
+          <a:chOff x="0" y="0"/>
+          <a:chExt cx="0" cy="0"/>
+        </a:xfrm>
+      </p:grpSpPr>
+      <p:sp>
+        <p:nvSpPr>
+          <p:cNvPr id="2" name="Title 1">
+            <a:extLst>
+              <a:ext uri="{FF2B5EF4-FFF2-40B4-BE49-F238E27FC236}">
+                <a16:creationId xmlns:a16="http://schemas.microsoft.com/office/drawing/2014/main" id="{957141F4-88F0-47D6-1E74-2DF1ECE36EF7}"/>
+              </a:ext>
+            </a:extLst>
+          </p:cNvPr>
+          <p:cNvSpPr>
+            <a:spLocks noGrp="1"/>
+          </p:cNvSpPr>
+          <p:nvPr>
+            <p:ph type="title"/>
+          </p:nvPr>
+        </p:nvSpPr>
+        <p:spPr/>
+        <p:txBody>
+          <a:bodyPr/>
+          <a:lstStyle/>
+          <a:p>
+            <a:r>
+              <a:rPr lang="en-GB" dirty="0"/>
+              <a:t>Ethical considerations</a:t>
+            </a:r>
+          </a:p>
+        </p:txBody>
+      </p:sp>
+      <p:sp>
+        <p:nvSpPr>
+          <p:cNvPr id="3" name="Content Placeholder 2">
+            <a:extLst>
+              <a:ext uri="{FF2B5EF4-FFF2-40B4-BE49-F238E27FC236}">
+                <a16:creationId xmlns:a16="http://schemas.microsoft.com/office/drawing/2014/main" id="{6A1B0301-834D-74C2-C144-88D52291A685}"/>
+              </a:ext>
+            </a:extLst>
+          </p:cNvPr>
+          <p:cNvSpPr>
+            <a:spLocks noGrp="1"/>
+          </p:cNvSpPr>
+          <p:nvPr>
+            <p:ph idx="1"/>
+          </p:nvPr>
+        </p:nvSpPr>
+        <p:spPr/>
+        <p:txBody>
+          <a:bodyPr/>
+          <a:lstStyle/>
+          <a:p>
+            <a:r>
+              <a:rPr lang="en-GB" dirty="0"/>
+              <a:t>At the risk of promoting bias against Chinese and Indian people, we’ve established that production of CO2 by China and India runs at 8 000 and 2 000 </a:t>
+            </a:r>
+            <a:r>
+              <a:rPr lang="en-GB" dirty="0" err="1"/>
+              <a:t>megatonnes</a:t>
+            </a:r>
+            <a:r>
+              <a:rPr lang="en-GB" dirty="0"/>
+              <a:t> as of 2021.  This is irrefutable, despite ethical considerations.</a:t>
+            </a:r>
+          </a:p>
+        </p:txBody>
+      </p:sp>
+    </p:spTree>
+    <p:extLst>
+      <p:ext uri="{BB962C8B-B14F-4D97-AF65-F5344CB8AC3E}">
+        <p14:creationId xmlns:p14="http://schemas.microsoft.com/office/powerpoint/2010/main" val="371696489"/>
+      </p:ext>
+    </p:extLst>
+  </p:cSld>
+  <p:clrMapOvr>
+    <a:masterClrMapping/>
+  </p:clrMapOvr>
+</p:sld>
+</file>
+
 <file path=ppt/slides/slide2.xml><?xml version="1.0" encoding="utf-8"?>
 <p:sld xmlns:a="http://schemas.openxmlformats.org/drawingml/2006/main" xmlns:r="http://schemas.openxmlformats.org/officeDocument/2006/relationships" xmlns:p="http://schemas.openxmlformats.org/presentationml/2006/main">
   <p:cSld>

--- a/Anthropogenic_CO2.pptx
+++ b/Anthropogenic_CO2.pptx
@@ -3494,7 +3494,7 @@
             </a:r>
             <a:r>
               <a:rPr lang="en-GB" dirty="0"/>
-              <a:t> as of 2021.  This is irrefutable, despite ethical considerations.</a:t>
+              <a:t> respectively as of 2021.  This is irrefutable, despite ethical considerations.</a:t>
             </a:r>
           </a:p>
         </p:txBody>
